--- a/Busnake_Level.pptx
+++ b/Busnake_Level.pptx
@@ -5200,7 +5200,7 @@
           <p:cNvPr id="8" name="正方形/長方形 7">
             <a:extLst>
               <a:ext uri="{FF2B5EF4-FFF2-40B4-BE49-F238E27FC236}">
-                <a16:creationId xmlns:a16="http://schemas.microsoft.com/office/drawing/2014/main" id="{D60EED93-F465-7344-A3AF-0A47B7E996D0}"/>
+                <a16:creationId xmlns:a16="http://schemas.microsoft.com/office/drawing/2014/main" xmlns="" id="{D60EED93-F465-7344-A3AF-0A47B7E996D0}"/>
               </a:ext>
             </a:extLst>
           </p:cNvPr>
@@ -7516,7 +7516,7 @@
           <p:cNvPr id="8" name="正方形/長方形 7">
             <a:extLst>
               <a:ext uri="{FF2B5EF4-FFF2-40B4-BE49-F238E27FC236}">
-                <a16:creationId xmlns:a16="http://schemas.microsoft.com/office/drawing/2014/main" id="{D60EED93-F465-7344-A3AF-0A47B7E996D0}"/>
+                <a16:creationId xmlns:a16="http://schemas.microsoft.com/office/drawing/2014/main" xmlns="" id="{D60EED93-F465-7344-A3AF-0A47B7E996D0}"/>
               </a:ext>
             </a:extLst>
           </p:cNvPr>
@@ -10294,7 +10294,7 @@
           <p:cNvPr id="8" name="正方形/長方形 7">
             <a:extLst>
               <a:ext uri="{FF2B5EF4-FFF2-40B4-BE49-F238E27FC236}">
-                <a16:creationId xmlns:a16="http://schemas.microsoft.com/office/drawing/2014/main" id="{D60EED93-F465-7344-A3AF-0A47B7E996D0}"/>
+                <a16:creationId xmlns:a16="http://schemas.microsoft.com/office/drawing/2014/main" xmlns="" id="{D60EED93-F465-7344-A3AF-0A47B7E996D0}"/>
               </a:ext>
             </a:extLst>
           </p:cNvPr>
@@ -13504,7 +13504,7 @@
           <p:cNvPr id="8" name="正方形/長方形 7">
             <a:extLst>
               <a:ext uri="{FF2B5EF4-FFF2-40B4-BE49-F238E27FC236}">
-                <a16:creationId xmlns:a16="http://schemas.microsoft.com/office/drawing/2014/main" id="{D60EED93-F465-7344-A3AF-0A47B7E996D0}"/>
+                <a16:creationId xmlns:a16="http://schemas.microsoft.com/office/drawing/2014/main" xmlns="" id="{D60EED93-F465-7344-A3AF-0A47B7E996D0}"/>
               </a:ext>
             </a:extLst>
           </p:cNvPr>
@@ -15536,7 +15536,7 @@
           <p:cNvPr id="8" name="正方形/長方形 7">
             <a:extLst>
               <a:ext uri="{FF2B5EF4-FFF2-40B4-BE49-F238E27FC236}">
-                <a16:creationId xmlns:a16="http://schemas.microsoft.com/office/drawing/2014/main" id="{D60EED93-F465-7344-A3AF-0A47B7E996D0}"/>
+                <a16:creationId xmlns:a16="http://schemas.microsoft.com/office/drawing/2014/main" xmlns="" id="{D60EED93-F465-7344-A3AF-0A47B7E996D0}"/>
               </a:ext>
             </a:extLst>
           </p:cNvPr>
@@ -15976,24 +15976,7 @@
                 <a:latin typeface="UD デジタル 教科書体 NP-B" panose="02020700000000000000" pitchFamily="18" charset="-128"/>
                 <a:ea typeface="UD デジタル 教科書体 NP-B" panose="02020700000000000000" pitchFamily="18" charset="-128"/>
               </a:rPr>
-              <a:t>：２０</a:t>
-            </a:r>
-            <a:r>
-              <a:rPr lang="ja-JP" altLang="en-US" sz="2000" dirty="0" smtClean="0">
-                <a:solidFill>
-                  <a:schemeClr val="bg1"/>
-                </a:solidFill>
-                <a:effectLst>
-                  <a:glow rad="127000">
-                    <a:schemeClr val="accent6">
-                      <a:lumMod val="50000"/>
-                    </a:schemeClr>
-                  </a:glow>
-                </a:effectLst>
-                <a:latin typeface="UD デジタル 教科書体 NP-B" panose="02020700000000000000" pitchFamily="18" charset="-128"/>
-                <a:ea typeface="UD デジタル 教科書体 NP-B" panose="02020700000000000000" pitchFamily="18" charset="-128"/>
-              </a:rPr>
-              <a:t>以内</a:t>
+              <a:t>：２０以内</a:t>
             </a:r>
             <a:endParaRPr lang="ja-JP" altLang="en-US" sz="2000" dirty="0">
               <a:solidFill>
@@ -16090,41 +16073,7 @@
                 <a:latin typeface="UD デジタル 教科書体 NP-B" panose="02020700000000000000" pitchFamily="18" charset="-128"/>
                 <a:ea typeface="UD デジタル 教科書体 NP-B" panose="02020700000000000000" pitchFamily="18" charset="-128"/>
               </a:rPr>
-              <a:t>★☆</a:t>
-            </a:r>
-            <a:r>
-              <a:rPr lang="ja-JP" altLang="en-US" sz="2000" dirty="0" smtClean="0">
-                <a:solidFill>
-                  <a:schemeClr val="bg1"/>
-                </a:solidFill>
-                <a:effectLst>
-                  <a:glow rad="127000">
-                    <a:schemeClr val="accent6">
-                      <a:lumMod val="50000"/>
-                    </a:schemeClr>
-                  </a:glow>
-                </a:effectLst>
-                <a:latin typeface="UD デジタル 教科書体 NP-B" panose="02020700000000000000" pitchFamily="18" charset="-128"/>
-                <a:ea typeface="UD デジタル 教科書体 NP-B" panose="02020700000000000000" pitchFamily="18" charset="-128"/>
-              </a:rPr>
-              <a:t>：２５</a:t>
-            </a:r>
-            <a:r>
-              <a:rPr lang="ja-JP" altLang="en-US" sz="2000" dirty="0" smtClean="0">
-                <a:solidFill>
-                  <a:schemeClr val="bg1"/>
-                </a:solidFill>
-                <a:effectLst>
-                  <a:glow rad="127000">
-                    <a:schemeClr val="accent6">
-                      <a:lumMod val="50000"/>
-                    </a:schemeClr>
-                  </a:glow>
-                </a:effectLst>
-                <a:latin typeface="UD デジタル 教科書体 NP-B" panose="02020700000000000000" pitchFamily="18" charset="-128"/>
-                <a:ea typeface="UD デジタル 教科書体 NP-B" panose="02020700000000000000" pitchFamily="18" charset="-128"/>
-              </a:rPr>
-              <a:t>以内</a:t>
+              <a:t>★☆：２５以内</a:t>
             </a:r>
             <a:endParaRPr lang="ja-JP" altLang="en-US" sz="2000" dirty="0">
               <a:solidFill>
@@ -17192,7 +17141,7 @@
           <p:cNvPr id="8" name="正方形/長方形 7">
             <a:extLst>
               <a:ext uri="{FF2B5EF4-FFF2-40B4-BE49-F238E27FC236}">
-                <a16:creationId xmlns:a16="http://schemas.microsoft.com/office/drawing/2014/main" id="{D60EED93-F465-7344-A3AF-0A47B7E996D0}"/>
+                <a16:creationId xmlns:a16="http://schemas.microsoft.com/office/drawing/2014/main" xmlns="" id="{D60EED93-F465-7344-A3AF-0A47B7E996D0}"/>
               </a:ext>
             </a:extLst>
           </p:cNvPr>
@@ -17390,24 +17339,7 @@
                 <a:latin typeface="UD デジタル 教科書体 NP-B" panose="02020700000000000000" pitchFamily="18" charset="-128"/>
                 <a:ea typeface="UD デジタル 教科書体 NP-B" panose="02020700000000000000" pitchFamily="18" charset="-128"/>
               </a:rPr>
-              <a:t>：</a:t>
-            </a:r>
-            <a:r>
-              <a:rPr lang="ja-JP" altLang="en-US" sz="2000" dirty="0" smtClean="0">
-                <a:solidFill>
-                  <a:schemeClr val="bg1"/>
-                </a:solidFill>
-                <a:effectLst>
-                  <a:glow rad="127000">
-                    <a:schemeClr val="accent6">
-                      <a:lumMod val="50000"/>
-                    </a:schemeClr>
-                  </a:glow>
-                </a:effectLst>
-                <a:latin typeface="UD デジタル 教科書体 NP-B" panose="02020700000000000000" pitchFamily="18" charset="-128"/>
-                <a:ea typeface="UD デジタル 教科書体 NP-B" panose="02020700000000000000" pitchFamily="18" charset="-128"/>
-              </a:rPr>
-              <a:t>４</a:t>
+              <a:t>：４</a:t>
             </a:r>
             <a:r>
               <a:rPr lang="ja-JP" altLang="en-US" sz="2000" dirty="0">
@@ -17538,24 +17470,7 @@
                 <a:latin typeface="UD デジタル 教科書体 NP-B" panose="02020700000000000000" pitchFamily="18" charset="-128"/>
                 <a:ea typeface="UD デジタル 教科書体 NP-B" panose="02020700000000000000" pitchFamily="18" charset="-128"/>
               </a:rPr>
-              <a:t>★☆</a:t>
-            </a:r>
-            <a:r>
-              <a:rPr lang="ja-JP" altLang="en-US" sz="2000" dirty="0" smtClean="0">
-                <a:solidFill>
-                  <a:schemeClr val="bg1"/>
-                </a:solidFill>
-                <a:effectLst>
-                  <a:glow rad="127000">
-                    <a:schemeClr val="accent6">
-                      <a:lumMod val="50000"/>
-                    </a:schemeClr>
-                  </a:glow>
-                </a:effectLst>
-                <a:latin typeface="UD デジタル 教科書体 NP-B" panose="02020700000000000000" pitchFamily="18" charset="-128"/>
-                <a:ea typeface="UD デジタル 教科書体 NP-B" panose="02020700000000000000" pitchFamily="18" charset="-128"/>
-              </a:rPr>
-              <a:t>：５５以内</a:t>
+              <a:t>★☆：５５以内</a:t>
             </a:r>
             <a:endParaRPr lang="ja-JP" altLang="en-US" sz="2000" dirty="0">
               <a:solidFill>
@@ -20551,7 +20466,7 @@
           <p:cNvPr id="8" name="正方形/長方形 7">
             <a:extLst>
               <a:ext uri="{FF2B5EF4-FFF2-40B4-BE49-F238E27FC236}">
-                <a16:creationId xmlns:a16="http://schemas.microsoft.com/office/drawing/2014/main" id="{D60EED93-F465-7344-A3AF-0A47B7E996D0}"/>
+                <a16:creationId xmlns:a16="http://schemas.microsoft.com/office/drawing/2014/main" xmlns="" id="{D60EED93-F465-7344-A3AF-0A47B7E996D0}"/>
               </a:ext>
             </a:extLst>
           </p:cNvPr>
@@ -21068,41 +20983,7 @@
                 <a:latin typeface="UD デジタル 教科書体 NP-B" panose="02020700000000000000" pitchFamily="18" charset="-128"/>
                 <a:ea typeface="UD デジタル 教科書体 NP-B" panose="02020700000000000000" pitchFamily="18" charset="-128"/>
               </a:rPr>
-              <a:t>：</a:t>
-            </a:r>
-            <a:r>
-              <a:rPr lang="ja-JP" altLang="en-US" sz="2000" dirty="0" smtClean="0">
-                <a:solidFill>
-                  <a:schemeClr val="bg1"/>
-                </a:solidFill>
-                <a:effectLst>
-                  <a:glow rad="127000">
-                    <a:schemeClr val="accent6">
-                      <a:lumMod val="50000"/>
-                    </a:schemeClr>
-                  </a:glow>
-                </a:effectLst>
-                <a:latin typeface="UD デジタル 教科書体 NP-B" panose="02020700000000000000" pitchFamily="18" charset="-128"/>
-                <a:ea typeface="UD デジタル 教科書体 NP-B" panose="02020700000000000000" pitchFamily="18" charset="-128"/>
-              </a:rPr>
-              <a:t>４５</a:t>
-            </a:r>
-            <a:r>
-              <a:rPr lang="ja-JP" altLang="en-US" sz="2000" dirty="0" smtClean="0">
-                <a:solidFill>
-                  <a:schemeClr val="bg1"/>
-                </a:solidFill>
-                <a:effectLst>
-                  <a:glow rad="127000">
-                    <a:schemeClr val="accent6">
-                      <a:lumMod val="50000"/>
-                    </a:schemeClr>
-                  </a:glow>
-                </a:effectLst>
-                <a:latin typeface="UD デジタル 教科書体 NP-B" panose="02020700000000000000" pitchFamily="18" charset="-128"/>
-                <a:ea typeface="UD デジタル 教科書体 NP-B" panose="02020700000000000000" pitchFamily="18" charset="-128"/>
-              </a:rPr>
-              <a:t>以内</a:t>
+              <a:t>：４５以内</a:t>
             </a:r>
             <a:endParaRPr lang="ja-JP" altLang="en-US" sz="2000" dirty="0">
               <a:solidFill>
@@ -21199,24 +21080,7 @@
                 <a:latin typeface="UD デジタル 教科書体 NP-B" panose="02020700000000000000" pitchFamily="18" charset="-128"/>
                 <a:ea typeface="UD デジタル 教科書体 NP-B" panose="02020700000000000000" pitchFamily="18" charset="-128"/>
               </a:rPr>
-              <a:t>★☆</a:t>
-            </a:r>
-            <a:r>
-              <a:rPr lang="ja-JP" altLang="en-US" sz="2000" dirty="0" smtClean="0">
-                <a:solidFill>
-                  <a:schemeClr val="bg1"/>
-                </a:solidFill>
-                <a:effectLst>
-                  <a:glow rad="127000">
-                    <a:schemeClr val="accent6">
-                      <a:lumMod val="50000"/>
-                    </a:schemeClr>
-                  </a:glow>
-                </a:effectLst>
-                <a:latin typeface="UD デジタル 教科書体 NP-B" panose="02020700000000000000" pitchFamily="18" charset="-128"/>
-                <a:ea typeface="UD デジタル 教科書体 NP-B" panose="02020700000000000000" pitchFamily="18" charset="-128"/>
-              </a:rPr>
-              <a:t>：５５以内</a:t>
+              <a:t>★☆：５５以内</a:t>
             </a:r>
             <a:endParaRPr lang="ja-JP" altLang="en-US" sz="2000" dirty="0">
               <a:solidFill>
@@ -23460,7 +23324,7 @@
           <p:cNvPr id="8" name="正方形/長方形 7">
             <a:extLst>
               <a:ext uri="{FF2B5EF4-FFF2-40B4-BE49-F238E27FC236}">
-                <a16:creationId xmlns:a16="http://schemas.microsoft.com/office/drawing/2014/main" id="{D60EED93-F465-7344-A3AF-0A47B7E996D0}"/>
+                <a16:creationId xmlns:a16="http://schemas.microsoft.com/office/drawing/2014/main" xmlns="" id="{D60EED93-F465-7344-A3AF-0A47B7E996D0}"/>
               </a:ext>
             </a:extLst>
           </p:cNvPr>
@@ -23862,41 +23726,7 @@
                 <a:latin typeface="UD デジタル 教科書体 NP-B" panose="02020700000000000000" pitchFamily="18" charset="-128"/>
                 <a:ea typeface="UD デジタル 教科書体 NP-B" panose="02020700000000000000" pitchFamily="18" charset="-128"/>
               </a:rPr>
-              <a:t>★☆</a:t>
-            </a:r>
-            <a:r>
-              <a:rPr lang="ja-JP" altLang="en-US" sz="2000" dirty="0" smtClean="0">
-                <a:solidFill>
-                  <a:schemeClr val="bg1"/>
-                </a:solidFill>
-                <a:effectLst>
-                  <a:glow rad="127000">
-                    <a:schemeClr val="accent6">
-                      <a:lumMod val="50000"/>
-                    </a:schemeClr>
-                  </a:glow>
-                </a:effectLst>
-                <a:latin typeface="UD デジタル 教科書体 NP-B" panose="02020700000000000000" pitchFamily="18" charset="-128"/>
-                <a:ea typeface="UD デジタル 教科書体 NP-B" panose="02020700000000000000" pitchFamily="18" charset="-128"/>
-              </a:rPr>
-              <a:t>：</a:t>
-            </a:r>
-            <a:r>
-              <a:rPr lang="ja-JP" altLang="en-US" sz="2000" dirty="0" smtClean="0">
-                <a:solidFill>
-                  <a:schemeClr val="bg1"/>
-                </a:solidFill>
-                <a:effectLst>
-                  <a:glow rad="127000">
-                    <a:schemeClr val="accent6">
-                      <a:lumMod val="50000"/>
-                    </a:schemeClr>
-                  </a:glow>
-                </a:effectLst>
-                <a:latin typeface="UD デジタル 教科書体 NP-B" panose="02020700000000000000" pitchFamily="18" charset="-128"/>
-                <a:ea typeface="UD デジタル 教科書体 NP-B" panose="02020700000000000000" pitchFamily="18" charset="-128"/>
-              </a:rPr>
-              <a:t>６</a:t>
+              <a:t>★☆：６</a:t>
             </a:r>
             <a:r>
               <a:rPr lang="ja-JP" altLang="en-US" sz="2000" dirty="0">
